--- a/Boosting/Boosting_PPT.pptx
+++ b/Boosting/Boosting_PPT.pptx
@@ -9,13 +9,17 @@
     <p:sldId id="266" r:id="rId3"/>
     <p:sldId id="257" r:id="rId4"/>
     <p:sldId id="260" r:id="rId5"/>
-    <p:sldId id="263" r:id="rId6"/>
-    <p:sldId id="258" r:id="rId7"/>
-    <p:sldId id="261" r:id="rId8"/>
-    <p:sldId id="264" r:id="rId9"/>
-    <p:sldId id="259" r:id="rId10"/>
-    <p:sldId id="265" r:id="rId11"/>
-    <p:sldId id="262" r:id="rId12"/>
+    <p:sldId id="268" r:id="rId6"/>
+    <p:sldId id="263" r:id="rId7"/>
+    <p:sldId id="258" r:id="rId8"/>
+    <p:sldId id="261" r:id="rId9"/>
+    <p:sldId id="264" r:id="rId10"/>
+    <p:sldId id="269" r:id="rId11"/>
+    <p:sldId id="259" r:id="rId12"/>
+    <p:sldId id="267" r:id="rId13"/>
+    <p:sldId id="265" r:id="rId14"/>
+    <p:sldId id="270" r:id="rId15"/>
+    <p:sldId id="262" r:id="rId16"/>
   </p:sldIdLst>
   <p:sldSz cx="12192000" cy="6858000"/>
   <p:notesSz cx="6858000" cy="9144000"/>
@@ -3419,6 +3423,544 @@
           <a:chExt cx="0" cy="0"/>
         </a:xfrm>
       </p:grpSpPr>
+      <p:sp>
+        <p:nvSpPr>
+          <p:cNvPr id="2" name="Title 1">
+            <a:extLst>
+              <a:ext uri="{FF2B5EF4-FFF2-40B4-BE49-F238E27FC236}">
+                <a16:creationId xmlns:a16="http://schemas.microsoft.com/office/drawing/2014/main" id="{1D25D806-D273-BE72-ACCB-CB6C62F2DD44}"/>
+              </a:ext>
+            </a:extLst>
+          </p:cNvPr>
+          <p:cNvSpPr>
+            <a:spLocks noGrp="1"/>
+          </p:cNvSpPr>
+          <p:nvPr>
+            <p:ph type="title"/>
+          </p:nvPr>
+        </p:nvSpPr>
+        <p:spPr/>
+        <p:txBody>
+          <a:bodyPr/>
+          <a:lstStyle/>
+          <a:p>
+            <a:r>
+              <a:rPr lang="en-US" dirty="0" err="1"/>
+              <a:t>XGBoost</a:t>
+            </a:r>
+            <a:r>
+              <a:rPr lang="en-US" dirty="0"/>
+              <a:t> – Advantages, Disadvantages &amp; Applications </a:t>
+            </a:r>
+          </a:p>
+        </p:txBody>
+      </p:sp>
+      <p:sp>
+        <p:nvSpPr>
+          <p:cNvPr id="3" name="Content Placeholder 2">
+            <a:extLst>
+              <a:ext uri="{FF2B5EF4-FFF2-40B4-BE49-F238E27FC236}">
+                <a16:creationId xmlns:a16="http://schemas.microsoft.com/office/drawing/2014/main" id="{C8FBA22A-D137-3555-357F-1F6E24D68F09}"/>
+              </a:ext>
+            </a:extLst>
+          </p:cNvPr>
+          <p:cNvSpPr>
+            <a:spLocks noGrp="1"/>
+          </p:cNvSpPr>
+          <p:nvPr>
+            <p:ph idx="1"/>
+          </p:nvPr>
+        </p:nvSpPr>
+        <p:spPr/>
+        <p:txBody>
+          <a:bodyPr>
+            <a:normAutofit fontScale="92500" lnSpcReduction="10000"/>
+          </a:bodyPr>
+          <a:lstStyle/>
+          <a:p>
+            <a:r>
+              <a:rPr lang="en-US" b="1" dirty="0"/>
+              <a:t>Advantages:</a:t>
+            </a:r>
+            <a:endParaRPr lang="en-US" dirty="0"/>
+          </a:p>
+          <a:p>
+            <a:pPr lvl="1"/>
+            <a:r>
+              <a:rPr lang="en-US" b="1" dirty="0"/>
+              <a:t>High Performance</a:t>
+            </a:r>
+            <a:r>
+              <a:rPr lang="en-US" dirty="0"/>
+              <a:t>: Optimized for speed and performance.</a:t>
+            </a:r>
+          </a:p>
+          <a:p>
+            <a:pPr lvl="1"/>
+            <a:r>
+              <a:rPr lang="en-US" b="1" dirty="0"/>
+              <a:t>Scalability</a:t>
+            </a:r>
+            <a:r>
+              <a:rPr lang="en-US" dirty="0"/>
+              <a:t>: Handles large datasets efficiently.</a:t>
+            </a:r>
+          </a:p>
+          <a:p>
+            <a:pPr lvl="1"/>
+            <a:r>
+              <a:rPr lang="en-US" b="1" dirty="0"/>
+              <a:t>Flexibility</a:t>
+            </a:r>
+            <a:r>
+              <a:rPr lang="en-US" dirty="0"/>
+              <a:t>: Supports various objective functions and custom evaluation metrics.</a:t>
+            </a:r>
+          </a:p>
+          <a:p>
+            <a:r>
+              <a:rPr lang="en-US" b="1" dirty="0"/>
+              <a:t>Disadvantages:</a:t>
+            </a:r>
+            <a:endParaRPr lang="en-US" dirty="0"/>
+          </a:p>
+          <a:p>
+            <a:pPr lvl="1"/>
+            <a:r>
+              <a:rPr lang="en-US" b="1" dirty="0"/>
+              <a:t>Complexity</a:t>
+            </a:r>
+            <a:r>
+              <a:rPr lang="en-US" dirty="0"/>
+              <a:t>: More complex to tune compared to simpler models.</a:t>
+            </a:r>
+          </a:p>
+          <a:p>
+            <a:pPr lvl="1"/>
+            <a:r>
+              <a:rPr lang="en-US" b="1" dirty="0"/>
+              <a:t>Memory Usage</a:t>
+            </a:r>
+            <a:r>
+              <a:rPr lang="en-US" dirty="0"/>
+              <a:t>: Can be memory-intensive with large datasets.</a:t>
+            </a:r>
+          </a:p>
+          <a:p>
+            <a:pPr lvl="1"/>
+            <a:r>
+              <a:rPr lang="en-US" b="1" dirty="0"/>
+              <a:t>Interpretability</a:t>
+            </a:r>
+            <a:r>
+              <a:rPr lang="en-US" dirty="0"/>
+              <a:t>: Models can be harder to interpret.</a:t>
+            </a:r>
+          </a:p>
+          <a:p>
+            <a:r>
+              <a:rPr lang="en-US" b="1" dirty="0"/>
+              <a:t>Sample Applications:</a:t>
+            </a:r>
+            <a:endParaRPr lang="en-US" dirty="0"/>
+          </a:p>
+          <a:p>
+            <a:pPr lvl="1"/>
+            <a:r>
+              <a:rPr lang="en-US" b="1" dirty="0"/>
+              <a:t>Finance</a:t>
+            </a:r>
+            <a:r>
+              <a:rPr lang="en-US" dirty="0"/>
+              <a:t>: Credit scoring.</a:t>
+            </a:r>
+          </a:p>
+          <a:p>
+            <a:pPr lvl="1"/>
+            <a:r>
+              <a:rPr lang="en-US" b="1" dirty="0"/>
+              <a:t>Healthcare</a:t>
+            </a:r>
+            <a:r>
+              <a:rPr lang="en-US" dirty="0"/>
+              <a:t>: Predicting patient outcomes.</a:t>
+            </a:r>
+          </a:p>
+          <a:p>
+            <a:pPr lvl="1"/>
+            <a:r>
+              <a:rPr lang="en-US" b="1" dirty="0"/>
+              <a:t>E-commerce</a:t>
+            </a:r>
+            <a:r>
+              <a:rPr lang="en-US" dirty="0"/>
+              <a:t>: Product recommendation systems.</a:t>
+            </a:r>
+          </a:p>
+          <a:p>
+            <a:endParaRPr lang="en-US" dirty="0"/>
+          </a:p>
+        </p:txBody>
+      </p:sp>
+    </p:spTree>
+    <p:extLst>
+      <p:ext uri="{BB962C8B-B14F-4D97-AF65-F5344CB8AC3E}">
+        <p14:creationId xmlns:p14="http://schemas.microsoft.com/office/powerpoint/2010/main" val="1218513415"/>
+      </p:ext>
+    </p:extLst>
+  </p:cSld>
+  <p:clrMapOvr>
+    <a:masterClrMapping/>
+  </p:clrMapOvr>
+</p:sld>
+</file>
+
+<file path=ppt/slides/slide11.xml><?xml version="1.0" encoding="utf-8"?>
+<p:sld xmlns:a="http://schemas.openxmlformats.org/drawingml/2006/main" xmlns:r="http://schemas.openxmlformats.org/officeDocument/2006/relationships" xmlns:p="http://schemas.openxmlformats.org/presentationml/2006/main">
+  <p:cSld>
+    <p:spTree>
+      <p:nvGrpSpPr>
+        <p:cNvPr id="1" name=""/>
+        <p:cNvGrpSpPr/>
+        <p:nvPr/>
+      </p:nvGrpSpPr>
+      <p:grpSpPr>
+        <a:xfrm>
+          <a:off x="0" y="0"/>
+          <a:ext cx="0" cy="0"/>
+          <a:chOff x="0" y="0"/>
+          <a:chExt cx="0" cy="0"/>
+        </a:xfrm>
+      </p:grpSpPr>
+      <p:sp>
+        <p:nvSpPr>
+          <p:cNvPr id="2" name="Title 1">
+            <a:extLst>
+              <a:ext uri="{FF2B5EF4-FFF2-40B4-BE49-F238E27FC236}">
+                <a16:creationId xmlns:a16="http://schemas.microsoft.com/office/drawing/2014/main" id="{ED4C0C25-CE8E-B6AE-69EE-E08811E33FBE}"/>
+              </a:ext>
+            </a:extLst>
+          </p:cNvPr>
+          <p:cNvSpPr>
+            <a:spLocks noGrp="1"/>
+          </p:cNvSpPr>
+          <p:nvPr>
+            <p:ph type="title"/>
+          </p:nvPr>
+        </p:nvSpPr>
+        <p:spPr/>
+        <p:txBody>
+          <a:bodyPr/>
+          <a:lstStyle/>
+          <a:p>
+            <a:r>
+              <a:rPr lang="en-US" dirty="0"/>
+              <a:t>LG BOOST</a:t>
+            </a:r>
+          </a:p>
+        </p:txBody>
+      </p:sp>
+      <p:sp>
+        <p:nvSpPr>
+          <p:cNvPr id="8" name="Rectangle 4">
+            <a:extLst>
+              <a:ext uri="{FF2B5EF4-FFF2-40B4-BE49-F238E27FC236}">
+                <a16:creationId xmlns:a16="http://schemas.microsoft.com/office/drawing/2014/main" id="{F65D07CA-F7CA-DA63-C1B2-2FCF10F60210}"/>
+              </a:ext>
+            </a:extLst>
+          </p:cNvPr>
+          <p:cNvSpPr>
+            <a:spLocks noGrp="1" noChangeArrowheads="1"/>
+          </p:cNvSpPr>
+          <p:nvPr>
+            <p:ph idx="1"/>
+          </p:nvPr>
+        </p:nvSpPr>
+        <p:spPr bwMode="auto">
+          <a:xfrm>
+            <a:off x="1000760" y="1589110"/>
+            <a:ext cx="10864769" cy="1512209"/>
+          </a:xfrm>
+          <a:prstGeom prst="rect">
+            <a:avLst/>
+          </a:prstGeom>
+          <a:noFill/>
+          <a:ln>
+            <a:noFill/>
+          </a:ln>
+          <a:effectLst/>
+          <a:extLst>
+            <a:ext uri="{909E8E84-426E-40DD-AFC4-6F175D3DCCD1}">
+              <a14:hiddenFill xmlns:a14="http://schemas.microsoft.com/office/drawing/2010/main">
+                <a:solidFill>
+                  <a:schemeClr val="accent1"/>
+                </a:solidFill>
+              </a14:hiddenFill>
+            </a:ext>
+            <a:ext uri="{91240B29-F687-4F45-9708-019B960494DF}">
+              <a14:hiddenLine xmlns:a14="http://schemas.microsoft.com/office/drawing/2010/main" w="9525">
+                <a:solidFill>
+                  <a:schemeClr val="tx1"/>
+                </a:solidFill>
+                <a:miter lim="800000"/>
+                <a:headEnd/>
+                <a:tailEnd/>
+              </a14:hiddenLine>
+            </a:ext>
+            <a:ext uri="{AF507438-7753-43E0-B8FC-AC1667EBCBE1}">
+              <a14:hiddenEffects xmlns:a14="http://schemas.microsoft.com/office/drawing/2010/main">
+                <a:effectLst>
+                  <a:outerShdw dist="35921" dir="2700000" algn="ctr" rotWithShape="0">
+                    <a:schemeClr val="bg2"/>
+                  </a:outerShdw>
+                </a:effectLst>
+              </a14:hiddenEffects>
+            </a:ext>
+          </a:extLst>
+        </p:spPr>
+        <p:txBody>
+          <a:bodyPr vert="horz" wrap="none" lIns="91440" tIns="45720" rIns="91440" bIns="45720" numCol="1" anchor="ctr" anchorCtr="0" compatLnSpc="1">
+            <a:prstTxWarp prst="textNoShape">
+              <a:avLst/>
+            </a:prstTxWarp>
+            <a:spAutoFit/>
+          </a:bodyPr>
+          <a:lstStyle/>
+          <a:p>
+            <a:pPr fontAlgn="base">
+              <a:spcAft>
+                <a:spcPct val="0"/>
+              </a:spcAft>
+            </a:pPr>
+            <a:r>
+              <a:rPr lang="en-US" altLang="en-US" dirty="0">
+                <a:solidFill>
+                  <a:srgbClr val="242424"/>
+                </a:solidFill>
+                <a:highlight>
+                  <a:srgbClr val="FFFFFF"/>
+                </a:highlight>
+                <a:latin typeface="source-serif-pro"/>
+              </a:rPr>
+              <a:t>Light Gradient Boosting Machine (</a:t>
+            </a:r>
+            <a:r>
+              <a:rPr lang="en-US" altLang="en-US" dirty="0" err="1">
+                <a:solidFill>
+                  <a:srgbClr val="242424"/>
+                </a:solidFill>
+                <a:highlight>
+                  <a:srgbClr val="FFFFFF"/>
+                </a:highlight>
+                <a:latin typeface="source-serif-pro"/>
+              </a:rPr>
+              <a:t>LightGBM</a:t>
+            </a:r>
+            <a:r>
+              <a:rPr lang="en-US" altLang="en-US" dirty="0">
+                <a:solidFill>
+                  <a:srgbClr val="242424"/>
+                </a:solidFill>
+                <a:highlight>
+                  <a:srgbClr val="FFFFFF"/>
+                </a:highlight>
+                <a:latin typeface="source-serif-pro"/>
+              </a:rPr>
+              <a:t>)</a:t>
+            </a:r>
+          </a:p>
+          <a:p>
+            <a:pPr fontAlgn="base">
+              <a:spcAft>
+                <a:spcPct val="0"/>
+              </a:spcAft>
+            </a:pPr>
+            <a:r>
+              <a:rPr lang="en-US" altLang="en-US" dirty="0">
+                <a:solidFill>
+                  <a:srgbClr val="242424"/>
+                </a:solidFill>
+                <a:highlight>
+                  <a:srgbClr val="FFFFFF"/>
+                </a:highlight>
+                <a:latin typeface="source-serif-pro"/>
+              </a:rPr>
+              <a:t>Advantages: Faster training speed, lower memory usage</a:t>
+            </a:r>
+          </a:p>
+          <a:p>
+            <a:pPr fontAlgn="base">
+              <a:spcAft>
+                <a:spcPct val="0"/>
+              </a:spcAft>
+            </a:pPr>
+            <a:r>
+              <a:rPr lang="en-US" altLang="en-US" dirty="0">
+                <a:solidFill>
+                  <a:srgbClr val="242424"/>
+                </a:solidFill>
+                <a:highlight>
+                  <a:srgbClr val="FFFFFF"/>
+                </a:highlight>
+                <a:latin typeface="source-serif-pro"/>
+              </a:rPr>
+              <a:t>Key Features: Leaf-wise growth, histogram-based decision tree learning </a:t>
+            </a:r>
+          </a:p>
+        </p:txBody>
+      </p:sp>
+    </p:spTree>
+    <p:extLst>
+      <p:ext uri="{BB962C8B-B14F-4D97-AF65-F5344CB8AC3E}">
+        <p14:creationId xmlns:p14="http://schemas.microsoft.com/office/powerpoint/2010/main" val="3708760135"/>
+      </p:ext>
+    </p:extLst>
+  </p:cSld>
+  <p:clrMapOvr>
+    <a:masterClrMapping/>
+  </p:clrMapOvr>
+</p:sld>
+</file>
+
+<file path=ppt/slides/slide12.xml><?xml version="1.0" encoding="utf-8"?>
+<p:sld xmlns:a="http://schemas.openxmlformats.org/drawingml/2006/main" xmlns:r="http://schemas.openxmlformats.org/officeDocument/2006/relationships" xmlns:p="http://schemas.openxmlformats.org/presentationml/2006/main">
+  <p:cSld>
+    <p:spTree>
+      <p:nvGrpSpPr>
+        <p:cNvPr id="1" name=""/>
+        <p:cNvGrpSpPr/>
+        <p:nvPr/>
+      </p:nvGrpSpPr>
+      <p:grpSpPr>
+        <a:xfrm>
+          <a:off x="0" y="0"/>
+          <a:ext cx="0" cy="0"/>
+          <a:chOff x="0" y="0"/>
+          <a:chExt cx="0" cy="0"/>
+        </a:xfrm>
+      </p:grpSpPr>
+      <p:sp>
+        <p:nvSpPr>
+          <p:cNvPr id="6" name="AutoShape 6">
+            <a:extLst>
+              <a:ext uri="{FF2B5EF4-FFF2-40B4-BE49-F238E27FC236}">
+                <a16:creationId xmlns:a16="http://schemas.microsoft.com/office/drawing/2014/main" id="{0A1C8BEB-401B-E3B3-CCF4-55292805816E}"/>
+              </a:ext>
+            </a:extLst>
+          </p:cNvPr>
+          <p:cNvSpPr>
+            <a:spLocks noChangeAspect="1" noChangeArrowheads="1"/>
+          </p:cNvSpPr>
+          <p:nvPr/>
+        </p:nvSpPr>
+        <p:spPr bwMode="auto">
+          <a:xfrm>
+            <a:off x="5943600" y="3276600"/>
+            <a:ext cx="304800" cy="304800"/>
+          </a:xfrm>
+          <a:prstGeom prst="rect">
+            <a:avLst/>
+          </a:prstGeom>
+          <a:noFill/>
+          <a:extLst>
+            <a:ext uri="{909E8E84-426E-40DD-AFC4-6F175D3DCCD1}">
+              <a14:hiddenFill xmlns:a14="http://schemas.microsoft.com/office/drawing/2010/main">
+                <a:solidFill>
+                  <a:srgbClr val="FFFFFF"/>
+                </a:solidFill>
+              </a14:hiddenFill>
+            </a:ext>
+          </a:extLst>
+        </p:spPr>
+        <p:txBody>
+          <a:bodyPr vert="horz" wrap="square" lIns="91440" tIns="45720" rIns="91440" bIns="45720" numCol="1" anchor="t" anchorCtr="0" compatLnSpc="1">
+            <a:prstTxWarp prst="textNoShape">
+              <a:avLst/>
+            </a:prstTxWarp>
+          </a:bodyPr>
+          <a:lstStyle/>
+          <a:p>
+            <a:endParaRPr lang="en-US"/>
+          </a:p>
+        </p:txBody>
+      </p:sp>
+      <p:pic>
+        <p:nvPicPr>
+          <p:cNvPr id="1032" name="Picture 8" descr="Leaf-wise tree growth.">
+            <a:extLst>
+              <a:ext uri="{FF2B5EF4-FFF2-40B4-BE49-F238E27FC236}">
+                <a16:creationId xmlns:a16="http://schemas.microsoft.com/office/drawing/2014/main" id="{FC1A55C7-1492-79F1-806A-000E82E3BEBA}"/>
+              </a:ext>
+            </a:extLst>
+          </p:cNvPr>
+          <p:cNvPicPr>
+            <a:picLocks noChangeAspect="1" noChangeArrowheads="1"/>
+          </p:cNvPicPr>
+          <p:nvPr/>
+        </p:nvPicPr>
+        <p:blipFill>
+          <a:blip r:embed="rId2">
+            <a:extLst>
+              <a:ext uri="{28A0092B-C50C-407E-A947-70E740481C1C}">
+                <a14:useLocalDpi xmlns:a14="http://schemas.microsoft.com/office/drawing/2010/main" val="0"/>
+              </a:ext>
+            </a:extLst>
+          </a:blip>
+          <a:srcRect/>
+          <a:stretch>
+            <a:fillRect/>
+          </a:stretch>
+        </p:blipFill>
+        <p:spPr bwMode="auto">
+          <a:xfrm>
+            <a:off x="1895475" y="2667318"/>
+            <a:ext cx="8096250" cy="2600325"/>
+          </a:xfrm>
+          <a:prstGeom prst="rect">
+            <a:avLst/>
+          </a:prstGeom>
+          <a:noFill/>
+          <a:extLst>
+            <a:ext uri="{909E8E84-426E-40DD-AFC4-6F175D3DCCD1}">
+              <a14:hiddenFill xmlns:a14="http://schemas.microsoft.com/office/drawing/2010/main">
+                <a:solidFill>
+                  <a:srgbClr val="FFFFFF"/>
+                </a:solidFill>
+              </a14:hiddenFill>
+            </a:ext>
+          </a:extLst>
+        </p:spPr>
+      </p:pic>
+    </p:spTree>
+    <p:extLst>
+      <p:ext uri="{BB962C8B-B14F-4D97-AF65-F5344CB8AC3E}">
+        <p14:creationId xmlns:p14="http://schemas.microsoft.com/office/powerpoint/2010/main" val="1355386633"/>
+      </p:ext>
+    </p:extLst>
+  </p:cSld>
+  <p:clrMapOvr>
+    <a:masterClrMapping/>
+  </p:clrMapOvr>
+</p:sld>
+</file>
+
+<file path=ppt/slides/slide13.xml><?xml version="1.0" encoding="utf-8"?>
+<p:sld xmlns:a="http://schemas.openxmlformats.org/drawingml/2006/main" xmlns:r="http://schemas.openxmlformats.org/officeDocument/2006/relationships" xmlns:p="http://schemas.openxmlformats.org/presentationml/2006/main">
+  <p:cSld>
+    <p:spTree>
+      <p:nvGrpSpPr>
+        <p:cNvPr id="1" name=""/>
+        <p:cNvGrpSpPr/>
+        <p:nvPr/>
+      </p:nvGrpSpPr>
+      <p:grpSpPr>
+        <a:xfrm>
+          <a:off x="0" y="0"/>
+          <a:ext cx="0" cy="0"/>
+          <a:chOff x="0" y="0"/>
+          <a:chExt cx="0" cy="0"/>
+        </a:xfrm>
+      </p:grpSpPr>
       <p:pic>
         <p:nvPicPr>
           <p:cNvPr id="5122" name="Picture 2" descr="Schematic illustration of the LightGBM model.">
@@ -3554,7 +4096,212 @@
 </p:sld>
 </file>
 
-<file path=ppt/slides/slide11.xml><?xml version="1.0" encoding="utf-8"?>
+<file path=ppt/slides/slide14.xml><?xml version="1.0" encoding="utf-8"?>
+<p:sld xmlns:a="http://schemas.openxmlformats.org/drawingml/2006/main" xmlns:r="http://schemas.openxmlformats.org/officeDocument/2006/relationships" xmlns:p="http://schemas.openxmlformats.org/presentationml/2006/main">
+  <p:cSld>
+    <p:spTree>
+      <p:nvGrpSpPr>
+        <p:cNvPr id="1" name=""/>
+        <p:cNvGrpSpPr/>
+        <p:nvPr/>
+      </p:nvGrpSpPr>
+      <p:grpSpPr>
+        <a:xfrm>
+          <a:off x="0" y="0"/>
+          <a:ext cx="0" cy="0"/>
+          <a:chOff x="0" y="0"/>
+          <a:chExt cx="0" cy="0"/>
+        </a:xfrm>
+      </p:grpSpPr>
+      <p:sp>
+        <p:nvSpPr>
+          <p:cNvPr id="2" name="Title 1">
+            <a:extLst>
+              <a:ext uri="{FF2B5EF4-FFF2-40B4-BE49-F238E27FC236}">
+                <a16:creationId xmlns:a16="http://schemas.microsoft.com/office/drawing/2014/main" id="{A4E19292-7ECF-65B2-F285-28CC9C489E92}"/>
+              </a:ext>
+            </a:extLst>
+          </p:cNvPr>
+          <p:cNvSpPr>
+            <a:spLocks noGrp="1"/>
+          </p:cNvSpPr>
+          <p:nvPr>
+            <p:ph type="title"/>
+          </p:nvPr>
+        </p:nvSpPr>
+        <p:spPr/>
+        <p:txBody>
+          <a:bodyPr/>
+          <a:lstStyle/>
+          <a:p>
+            <a:r>
+              <a:rPr lang="en-US" dirty="0"/>
+              <a:t>LG Boost – Advantages, Disadvantages &amp; Applications </a:t>
+            </a:r>
+          </a:p>
+        </p:txBody>
+      </p:sp>
+      <p:sp>
+        <p:nvSpPr>
+          <p:cNvPr id="3" name="Content Placeholder 2">
+            <a:extLst>
+              <a:ext uri="{FF2B5EF4-FFF2-40B4-BE49-F238E27FC236}">
+                <a16:creationId xmlns:a16="http://schemas.microsoft.com/office/drawing/2014/main" id="{FD7391F0-02E6-453B-CE36-F710E738BC21}"/>
+              </a:ext>
+            </a:extLst>
+          </p:cNvPr>
+          <p:cNvSpPr>
+            <a:spLocks noGrp="1"/>
+          </p:cNvSpPr>
+          <p:nvPr>
+            <p:ph idx="1"/>
+          </p:nvPr>
+        </p:nvSpPr>
+        <p:spPr/>
+        <p:txBody>
+          <a:bodyPr>
+            <a:normAutofit fontScale="92500" lnSpcReduction="10000"/>
+          </a:bodyPr>
+          <a:lstStyle/>
+          <a:p>
+            <a:r>
+              <a:rPr lang="en-US" b="1" dirty="0"/>
+              <a:t>Advantages:</a:t>
+            </a:r>
+            <a:endParaRPr lang="en-US" dirty="0"/>
+          </a:p>
+          <a:p>
+            <a:pPr lvl="1"/>
+            <a:r>
+              <a:rPr lang="en-US" b="1" dirty="0"/>
+              <a:t>Speed</a:t>
+            </a:r>
+            <a:r>
+              <a:rPr lang="en-US" dirty="0"/>
+              <a:t>: Faster training compared to other boosting algorithms.</a:t>
+            </a:r>
+          </a:p>
+          <a:p>
+            <a:pPr lvl="1"/>
+            <a:r>
+              <a:rPr lang="en-US" b="1" dirty="0"/>
+              <a:t>Efficiency</a:t>
+            </a:r>
+            <a:r>
+              <a:rPr lang="en-US" dirty="0"/>
+              <a:t>: Lower memory usage.</a:t>
+            </a:r>
+          </a:p>
+          <a:p>
+            <a:pPr lvl="1"/>
+            <a:r>
+              <a:rPr lang="en-US" b="1" dirty="0"/>
+              <a:t>Accuracy</a:t>
+            </a:r>
+            <a:r>
+              <a:rPr lang="en-US" dirty="0"/>
+              <a:t>: Maintains high accuracy with large datasets.</a:t>
+            </a:r>
+          </a:p>
+          <a:p>
+            <a:r>
+              <a:rPr lang="en-US" b="1" dirty="0"/>
+              <a:t>Disadvantages:</a:t>
+            </a:r>
+            <a:endParaRPr lang="en-US" dirty="0"/>
+          </a:p>
+          <a:p>
+            <a:pPr lvl="1"/>
+            <a:r>
+              <a:rPr lang="en-US" b="1" dirty="0"/>
+              <a:t>Sensitivity to Data Quality</a:t>
+            </a:r>
+            <a:r>
+              <a:rPr lang="en-US" dirty="0"/>
+              <a:t>: Performance can drop with poor data quality.</a:t>
+            </a:r>
+          </a:p>
+          <a:p>
+            <a:pPr lvl="1"/>
+            <a:r>
+              <a:rPr lang="en-US" b="1" dirty="0"/>
+              <a:t>Complexity</a:t>
+            </a:r>
+            <a:r>
+              <a:rPr lang="en-US" dirty="0"/>
+              <a:t>: Requires careful parameter tuning.</a:t>
+            </a:r>
+          </a:p>
+          <a:p>
+            <a:pPr lvl="1"/>
+            <a:r>
+              <a:rPr lang="en-US" b="1" dirty="0"/>
+              <a:t>Small Datasets</a:t>
+            </a:r>
+            <a:r>
+              <a:rPr lang="en-US" dirty="0"/>
+              <a:t>: May not perform as well on very small datasets.</a:t>
+            </a:r>
+          </a:p>
+          <a:p>
+            <a:r>
+              <a:rPr lang="en-US" b="1" dirty="0"/>
+              <a:t>Applications:</a:t>
+            </a:r>
+            <a:endParaRPr lang="en-US" dirty="0"/>
+          </a:p>
+          <a:p>
+            <a:pPr lvl="1"/>
+            <a:r>
+              <a:rPr lang="en-US" b="1" dirty="0"/>
+              <a:t>Finance</a:t>
+            </a:r>
+            <a:r>
+              <a:rPr lang="en-US" dirty="0"/>
+              <a:t>: Risk assessment.</a:t>
+            </a:r>
+          </a:p>
+          <a:p>
+            <a:pPr lvl="1"/>
+            <a:r>
+              <a:rPr lang="en-US" b="1" dirty="0"/>
+              <a:t>Healthcare</a:t>
+            </a:r>
+            <a:r>
+              <a:rPr lang="en-US" dirty="0"/>
+              <a:t>: Medical diagnosis prediction.</a:t>
+            </a:r>
+          </a:p>
+          <a:p>
+            <a:pPr lvl="1"/>
+            <a:r>
+              <a:rPr lang="en-US" b="1" dirty="0"/>
+              <a:t>E-commerce</a:t>
+            </a:r>
+            <a:r>
+              <a:rPr lang="en-US" dirty="0"/>
+              <a:t>: Customer segmentation.</a:t>
+            </a:r>
+          </a:p>
+          <a:p>
+            <a:endParaRPr lang="en-US" dirty="0"/>
+          </a:p>
+        </p:txBody>
+      </p:sp>
+    </p:spTree>
+    <p:extLst>
+      <p:ext uri="{BB962C8B-B14F-4D97-AF65-F5344CB8AC3E}">
+        <p14:creationId xmlns:p14="http://schemas.microsoft.com/office/powerpoint/2010/main" val="3096181502"/>
+      </p:ext>
+    </p:extLst>
+  </p:cSld>
+  <p:clrMapOvr>
+    <a:masterClrMapping/>
+  </p:clrMapOvr>
+</p:sld>
+</file>
+
+<file path=ppt/slides/slide15.xml><?xml version="1.0" encoding="utf-8"?>
 <p:sld xmlns:a="http://schemas.openxmlformats.org/drawingml/2006/main" xmlns:r="http://schemas.openxmlformats.org/officeDocument/2006/relationships" xmlns:p="http://schemas.openxmlformats.org/presentationml/2006/main">
   <p:cSld>
     <p:spTree>
@@ -4681,75 +5428,185 @@
           <a:chExt cx="0" cy="0"/>
         </a:xfrm>
       </p:grpSpPr>
-      <p:pic>
-        <p:nvPicPr>
-          <p:cNvPr id="5" name="Picture 4">
-            <a:extLst>
-              <a:ext uri="{FF2B5EF4-FFF2-40B4-BE49-F238E27FC236}">
-                <a16:creationId xmlns:a16="http://schemas.microsoft.com/office/drawing/2014/main" id="{04C38E7F-D754-50C8-CF36-F3002A1AD949}"/>
-              </a:ext>
-            </a:extLst>
-          </p:cNvPr>
-          <p:cNvPicPr>
-            <a:picLocks noChangeAspect="1"/>
-          </p:cNvPicPr>
-          <p:nvPr/>
-        </p:nvPicPr>
-        <p:blipFill>
-          <a:blip r:embed="rId2"/>
-          <a:stretch>
-            <a:fillRect/>
-          </a:stretch>
-        </p:blipFill>
-        <p:spPr>
-          <a:xfrm>
-            <a:off x="2905760" y="1388201"/>
-            <a:ext cx="5201376" cy="3248478"/>
-          </a:xfrm>
-          <a:prstGeom prst="rect">
-            <a:avLst/>
-          </a:prstGeom>
-        </p:spPr>
-      </p:pic>
-      <p:sp>
-        <p:nvSpPr>
-          <p:cNvPr id="7" name="TextBox 6">
-            <a:extLst>
-              <a:ext uri="{FF2B5EF4-FFF2-40B4-BE49-F238E27FC236}">
-                <a16:creationId xmlns:a16="http://schemas.microsoft.com/office/drawing/2014/main" id="{4C7EBDCC-E965-9126-267E-7DC0066DD641}"/>
-              </a:ext>
-            </a:extLst>
-          </p:cNvPr>
-          <p:cNvSpPr txBox="1"/>
-          <p:nvPr/>
-        </p:nvSpPr>
-        <p:spPr>
-          <a:xfrm>
-            <a:off x="2905760" y="4751755"/>
-            <a:ext cx="6096000" cy="923330"/>
-          </a:xfrm>
-          <a:prstGeom prst="rect">
-            <a:avLst/>
-          </a:prstGeom>
-          <a:noFill/>
-        </p:spPr>
-        <p:txBody>
-          <a:bodyPr wrap="square">
-            <a:spAutoFit/>
+      <p:sp>
+        <p:nvSpPr>
+          <p:cNvPr id="2" name="Title 1">
+            <a:extLst>
+              <a:ext uri="{FF2B5EF4-FFF2-40B4-BE49-F238E27FC236}">
+                <a16:creationId xmlns:a16="http://schemas.microsoft.com/office/drawing/2014/main" id="{95195851-9359-3ADE-943B-3D8F3B31470E}"/>
+              </a:ext>
+            </a:extLst>
+          </p:cNvPr>
+          <p:cNvSpPr>
+            <a:spLocks noGrp="1"/>
+          </p:cNvSpPr>
+          <p:nvPr>
+            <p:ph type="title"/>
+          </p:nvPr>
+        </p:nvSpPr>
+        <p:spPr/>
+        <p:txBody>
+          <a:bodyPr/>
+          <a:lstStyle/>
+          <a:p>
+            <a:r>
+              <a:rPr lang="en-US" dirty="0"/>
+              <a:t>AdaBoost – Advantages, Disadvantages &amp; Applications </a:t>
+            </a:r>
+          </a:p>
+        </p:txBody>
+      </p:sp>
+      <p:sp>
+        <p:nvSpPr>
+          <p:cNvPr id="3" name="Content Placeholder 2">
+            <a:extLst>
+              <a:ext uri="{FF2B5EF4-FFF2-40B4-BE49-F238E27FC236}">
+                <a16:creationId xmlns:a16="http://schemas.microsoft.com/office/drawing/2014/main" id="{C2925739-4F0F-5E12-1A69-53325B519C39}"/>
+              </a:ext>
+            </a:extLst>
+          </p:cNvPr>
+          <p:cNvSpPr>
+            <a:spLocks noGrp="1"/>
+          </p:cNvSpPr>
+          <p:nvPr>
+            <p:ph idx="1"/>
+          </p:nvPr>
+        </p:nvSpPr>
+        <p:spPr/>
+        <p:txBody>
+          <a:bodyPr>
+            <a:normAutofit fontScale="92500" lnSpcReduction="10000"/>
           </a:bodyPr>
           <a:lstStyle/>
           <a:p>
             <a:r>
+              <a:rPr lang="en-US" b="1" dirty="0"/>
+              <a:t>Advantages:</a:t>
+            </a:r>
+            <a:endParaRPr lang="en-US" dirty="0"/>
+          </a:p>
+          <a:p>
+            <a:pPr lvl="1"/>
+            <a:r>
+              <a:rPr lang="en-US" b="1" dirty="0"/>
+              <a:t>Simplicity</a:t>
+            </a:r>
+            <a:r>
               <a:rPr lang="en-US" dirty="0"/>
-              <a:t>Pic source - https://www.analyticsvidhya.com/blog/2022/01/introduction-to-adaboost-for-absolute-beginners/</a:t>
-            </a:r>
+              <a:t>: Easy to implement.</a:t>
+            </a:r>
+          </a:p>
+          <a:p>
+            <a:pPr lvl="1"/>
+            <a:r>
+              <a:rPr lang="en-US" b="1" dirty="0"/>
+              <a:t>Versatility</a:t>
+            </a:r>
+            <a:r>
+              <a:rPr lang="en-US" dirty="0"/>
+              <a:t>: Works with various base learners.</a:t>
+            </a:r>
+          </a:p>
+          <a:p>
+            <a:pPr lvl="1"/>
+            <a:r>
+              <a:rPr lang="en-US" b="1" dirty="0"/>
+              <a:t>Improved Accuracy</a:t>
+            </a:r>
+            <a:r>
+              <a:rPr lang="en-US" dirty="0"/>
+              <a:t>: Focuses on hard-to-classify instances.</a:t>
+            </a:r>
+          </a:p>
+          <a:p>
+            <a:r>
+              <a:rPr lang="en-US" b="1" dirty="0"/>
+              <a:t>Disadvantages:</a:t>
+            </a:r>
+            <a:endParaRPr lang="en-US" dirty="0"/>
+          </a:p>
+          <a:p>
+            <a:pPr lvl="1"/>
+            <a:r>
+              <a:rPr lang="en-US" b="1" dirty="0"/>
+              <a:t>Sensitivity to Noisy Data</a:t>
+            </a:r>
+            <a:r>
+              <a:rPr lang="en-US" dirty="0"/>
+              <a:t>: Can be negatively affected by outliers.</a:t>
+            </a:r>
+          </a:p>
+          <a:p>
+            <a:pPr lvl="1"/>
+            <a:r>
+              <a:rPr lang="en-US" b="1" dirty="0"/>
+              <a:t>Overfitting Risk</a:t>
+            </a:r>
+            <a:r>
+              <a:rPr lang="en-US" dirty="0"/>
+              <a:t>: May overfit if the base learner is too complex.</a:t>
+            </a:r>
+          </a:p>
+          <a:p>
+            <a:pPr lvl="1"/>
+            <a:r>
+              <a:rPr lang="en-US" b="1" dirty="0"/>
+              <a:t>Computational Cost</a:t>
+            </a:r>
+            <a:r>
+              <a:rPr lang="en-US" dirty="0"/>
+              <a:t>: Can be slower with large datasets.</a:t>
+            </a:r>
+          </a:p>
+          <a:p>
+            <a:r>
+              <a:rPr lang="en-US" b="1" dirty="0"/>
+              <a:t>Sample Applications:</a:t>
+            </a:r>
+            <a:endParaRPr lang="en-US" dirty="0"/>
+          </a:p>
+          <a:p>
+            <a:pPr lvl="1"/>
+            <a:r>
+              <a:rPr lang="en-US" b="1" dirty="0"/>
+              <a:t>Finance</a:t>
+            </a:r>
+            <a:r>
+              <a:rPr lang="en-US" dirty="0"/>
+              <a:t>: Fraud detection.</a:t>
+            </a:r>
+          </a:p>
+          <a:p>
+            <a:pPr lvl="1"/>
+            <a:r>
+              <a:rPr lang="en-US" b="1" dirty="0"/>
+              <a:t>Healthcare</a:t>
+            </a:r>
+            <a:r>
+              <a:rPr lang="en-US" dirty="0"/>
+              <a:t>: Early disease detection.</a:t>
+            </a:r>
+          </a:p>
+          <a:p>
+            <a:pPr lvl="1"/>
+            <a:r>
+              <a:rPr lang="en-US" b="1" dirty="0"/>
+              <a:t>Marketing</a:t>
+            </a:r>
+            <a:r>
+              <a:rPr lang="en-US" dirty="0"/>
+              <a:t>: Customer churn prediction.</a:t>
+            </a:r>
+          </a:p>
+          <a:p>
+            <a:endParaRPr lang="en-US" dirty="0"/>
           </a:p>
         </p:txBody>
       </p:sp>
     </p:spTree>
     <p:extLst>
       <p:ext uri="{BB962C8B-B14F-4D97-AF65-F5344CB8AC3E}">
-        <p14:creationId xmlns:p14="http://schemas.microsoft.com/office/powerpoint/2010/main" val="480136019"/>
+        <p14:creationId xmlns:p14="http://schemas.microsoft.com/office/powerpoint/2010/main" val="2616336441"/>
       </p:ext>
     </p:extLst>
   </p:cSld>
@@ -4776,144 +5633,67 @@
           <a:chExt cx="0" cy="0"/>
         </a:xfrm>
       </p:grpSpPr>
-      <p:sp>
-        <p:nvSpPr>
-          <p:cNvPr id="2" name="Title 1">
-            <a:extLst>
-              <a:ext uri="{FF2B5EF4-FFF2-40B4-BE49-F238E27FC236}">
-                <a16:creationId xmlns:a16="http://schemas.microsoft.com/office/drawing/2014/main" id="{82E6F07A-379C-4A14-F7BA-5D5C15893F8C}"/>
-              </a:ext>
-            </a:extLst>
-          </p:cNvPr>
-          <p:cNvSpPr>
-            <a:spLocks noGrp="1"/>
-          </p:cNvSpPr>
-          <p:nvPr>
-            <p:ph type="title"/>
-          </p:nvPr>
-        </p:nvSpPr>
-        <p:spPr/>
-        <p:txBody>
-          <a:bodyPr/>
+      <p:pic>
+        <p:nvPicPr>
+          <p:cNvPr id="5" name="Picture 4">
+            <a:extLst>
+              <a:ext uri="{FF2B5EF4-FFF2-40B4-BE49-F238E27FC236}">
+                <a16:creationId xmlns:a16="http://schemas.microsoft.com/office/drawing/2014/main" id="{04C38E7F-D754-50C8-CF36-F3002A1AD949}"/>
+              </a:ext>
+            </a:extLst>
+          </p:cNvPr>
+          <p:cNvPicPr>
+            <a:picLocks noChangeAspect="1"/>
+          </p:cNvPicPr>
+          <p:nvPr/>
+        </p:nvPicPr>
+        <p:blipFill>
+          <a:blip r:embed="rId2"/>
+          <a:stretch>
+            <a:fillRect/>
+          </a:stretch>
+        </p:blipFill>
+        <p:spPr>
+          <a:xfrm>
+            <a:off x="2905760" y="1388201"/>
+            <a:ext cx="5201376" cy="3248478"/>
+          </a:xfrm>
+          <a:prstGeom prst="rect">
+            <a:avLst/>
+          </a:prstGeom>
+        </p:spPr>
+      </p:pic>
+      <p:sp>
+        <p:nvSpPr>
+          <p:cNvPr id="7" name="TextBox 6">
+            <a:extLst>
+              <a:ext uri="{FF2B5EF4-FFF2-40B4-BE49-F238E27FC236}">
+                <a16:creationId xmlns:a16="http://schemas.microsoft.com/office/drawing/2014/main" id="{4C7EBDCC-E965-9126-267E-7DC0066DD641}"/>
+              </a:ext>
+            </a:extLst>
+          </p:cNvPr>
+          <p:cNvSpPr txBox="1"/>
+          <p:nvPr/>
+        </p:nvSpPr>
+        <p:spPr>
+          <a:xfrm>
+            <a:off x="2905760" y="4751755"/>
+            <a:ext cx="6096000" cy="923330"/>
+          </a:xfrm>
+          <a:prstGeom prst="rect">
+            <a:avLst/>
+          </a:prstGeom>
+          <a:noFill/>
+        </p:spPr>
+        <p:txBody>
+          <a:bodyPr wrap="square">
+            <a:spAutoFit/>
+          </a:bodyPr>
           <a:lstStyle/>
           <a:p>
             <a:r>
               <a:rPr lang="en-US" dirty="0"/>
-              <a:t>XG BOOST</a:t>
-            </a:r>
-          </a:p>
-        </p:txBody>
-      </p:sp>
-      <p:sp>
-        <p:nvSpPr>
-          <p:cNvPr id="3" name="Content Placeholder 2">
-            <a:extLst>
-              <a:ext uri="{FF2B5EF4-FFF2-40B4-BE49-F238E27FC236}">
-                <a16:creationId xmlns:a16="http://schemas.microsoft.com/office/drawing/2014/main" id="{9BC1EBC7-D808-5DBF-6B94-B5D0E838FA3B}"/>
-              </a:ext>
-            </a:extLst>
-          </p:cNvPr>
-          <p:cNvSpPr>
-            <a:spLocks noGrp="1"/>
-          </p:cNvSpPr>
-          <p:nvPr>
-            <p:ph idx="1"/>
-          </p:nvPr>
-        </p:nvSpPr>
-        <p:spPr/>
-        <p:txBody>
-          <a:bodyPr/>
-          <a:lstStyle/>
-          <a:p>
-            <a:r>
-              <a:rPr lang="en-US" b="0" i="0" dirty="0" err="1">
-                <a:solidFill>
-                  <a:srgbClr val="242424"/>
-                </a:solidFill>
-                <a:effectLst/>
-                <a:highlight>
-                  <a:srgbClr val="FFFFFF"/>
-                </a:highlight>
-                <a:latin typeface="source-serif-pro"/>
-              </a:rPr>
-              <a:t>XGBoost</a:t>
-            </a:r>
-            <a:r>
-              <a:rPr lang="en-US" b="0" i="0" dirty="0">
-                <a:solidFill>
-                  <a:srgbClr val="242424"/>
-                </a:solidFill>
-                <a:effectLst/>
-                <a:highlight>
-                  <a:srgbClr val="FFFFFF"/>
-                </a:highlight>
-                <a:latin typeface="source-serif-pro"/>
-              </a:rPr>
-              <a:t>, short for </a:t>
-            </a:r>
-            <a:r>
-              <a:rPr lang="en-US" b="0" i="0" dirty="0" err="1">
-                <a:solidFill>
-                  <a:srgbClr val="242424"/>
-                </a:solidFill>
-                <a:effectLst/>
-                <a:highlight>
-                  <a:srgbClr val="FFFFFF"/>
-                </a:highlight>
-                <a:latin typeface="source-serif-pro"/>
-              </a:rPr>
-              <a:t>eXtreme</a:t>
-            </a:r>
-            <a:r>
-              <a:rPr lang="en-US" b="0" i="0" dirty="0">
-                <a:solidFill>
-                  <a:srgbClr val="242424"/>
-                </a:solidFill>
-                <a:effectLst/>
-                <a:highlight>
-                  <a:srgbClr val="FFFFFF"/>
-                </a:highlight>
-                <a:latin typeface="source-serif-pro"/>
-              </a:rPr>
-              <a:t> Gradient Boosting, is an optimized and highly efficient implementation of gradient boosting.</a:t>
-            </a:r>
-          </a:p>
-          <a:p>
-            <a:r>
-              <a:rPr lang="en-US" b="0" i="0" dirty="0" err="1">
-                <a:solidFill>
-                  <a:srgbClr val="242424"/>
-                </a:solidFill>
-                <a:effectLst/>
-                <a:highlight>
-                  <a:srgbClr val="FFFFFF"/>
-                </a:highlight>
-                <a:latin typeface="source-serif-pro"/>
-              </a:rPr>
-              <a:t>XGBoost</a:t>
-            </a:r>
-            <a:r>
-              <a:rPr lang="en-US" b="0" i="0" dirty="0">
-                <a:solidFill>
-                  <a:srgbClr val="242424"/>
-                </a:solidFill>
-                <a:effectLst/>
-                <a:highlight>
-                  <a:srgbClr val="FFFFFF"/>
-                </a:highlight>
-                <a:latin typeface="source-serif-pro"/>
-              </a:rPr>
-              <a:t> is focused on computational speed and model performance</a:t>
-            </a:r>
-          </a:p>
-          <a:p>
-            <a:r>
-              <a:rPr lang="en-US" b="1" dirty="0"/>
-              <a:t>Key Features</a:t>
-            </a:r>
-            <a:r>
-              <a:rPr lang="en-US" dirty="0"/>
-              <a:t>: Tree pruning, parallel processing, and regularization</a:t>
+              <a:t>Pic source - https://www.analyticsvidhya.com/blog/2022/01/introduction-to-adaboost-for-absolute-beginners/</a:t>
             </a:r>
           </a:p>
         </p:txBody>
@@ -4921,7 +5701,7 @@
     </p:spTree>
     <p:extLst>
       <p:ext uri="{BB962C8B-B14F-4D97-AF65-F5344CB8AC3E}">
-        <p14:creationId xmlns:p14="http://schemas.microsoft.com/office/powerpoint/2010/main" val="3046523520"/>
+        <p14:creationId xmlns:p14="http://schemas.microsoft.com/office/powerpoint/2010/main" val="480136019"/>
       </p:ext>
     </p:extLst>
   </p:cSld>
@@ -4948,83 +5728,57 @@
           <a:chExt cx="0" cy="0"/>
         </a:xfrm>
       </p:grpSpPr>
-      <p:pic>
-        <p:nvPicPr>
-          <p:cNvPr id="3074" name="Picture 2">
-            <a:extLst>
-              <a:ext uri="{FF2B5EF4-FFF2-40B4-BE49-F238E27FC236}">
-                <a16:creationId xmlns:a16="http://schemas.microsoft.com/office/drawing/2014/main" id="{569354A7-A896-B538-F9DA-18EDB936BB7E}"/>
-              </a:ext>
-            </a:extLst>
-          </p:cNvPr>
-          <p:cNvPicPr>
-            <a:picLocks noChangeAspect="1" noChangeArrowheads="1"/>
-          </p:cNvPicPr>
-          <p:nvPr/>
-        </p:nvPicPr>
-        <p:blipFill>
-          <a:blip r:embed="rId2">
-            <a:extLst>
-              <a:ext uri="{28A0092B-C50C-407E-A947-70E740481C1C}">
-                <a14:useLocalDpi xmlns:a14="http://schemas.microsoft.com/office/drawing/2010/main" val="0"/>
-              </a:ext>
-            </a:extLst>
-          </a:blip>
-          <a:srcRect/>
-          <a:stretch>
-            <a:fillRect/>
-          </a:stretch>
-        </p:blipFill>
-        <p:spPr bwMode="auto">
-          <a:xfrm>
-            <a:off x="2061209" y="668654"/>
-            <a:ext cx="7368095" cy="4147185"/>
-          </a:xfrm>
-          <a:prstGeom prst="rect">
-            <a:avLst/>
-          </a:prstGeom>
-          <a:noFill/>
-          <a:extLst>
-            <a:ext uri="{909E8E84-426E-40DD-AFC4-6F175D3DCCD1}">
-              <a14:hiddenFill xmlns:a14="http://schemas.microsoft.com/office/drawing/2010/main">
-                <a:solidFill>
-                  <a:srgbClr val="FFFFFF"/>
-                </a:solidFill>
-              </a14:hiddenFill>
-            </a:ext>
-          </a:extLst>
-        </p:spPr>
-      </p:pic>
-      <p:sp>
-        <p:nvSpPr>
-          <p:cNvPr id="5" name="TextBox 4">
-            <a:extLst>
-              <a:ext uri="{FF2B5EF4-FFF2-40B4-BE49-F238E27FC236}">
-                <a16:creationId xmlns:a16="http://schemas.microsoft.com/office/drawing/2014/main" id="{53654B98-59F2-EEF1-0FE2-FD8303ED4986}"/>
-              </a:ext>
-            </a:extLst>
-          </p:cNvPr>
-          <p:cNvSpPr txBox="1"/>
-          <p:nvPr/>
-        </p:nvSpPr>
-        <p:spPr>
-          <a:xfrm>
-            <a:off x="2834640" y="5060295"/>
-            <a:ext cx="6096000" cy="1477328"/>
-          </a:xfrm>
-          <a:prstGeom prst="rect">
-            <a:avLst/>
-          </a:prstGeom>
-          <a:noFill/>
-        </p:spPr>
-        <p:txBody>
-          <a:bodyPr wrap="square">
-            <a:spAutoFit/>
-          </a:bodyPr>
-          <a:lstStyle/>
-          <a:p>
-            <a:r>
-              <a:rPr lang="en-US" b="0" i="1" dirty="0">
+      <p:sp>
+        <p:nvSpPr>
+          <p:cNvPr id="2" name="Title 1">
+            <a:extLst>
+              <a:ext uri="{FF2B5EF4-FFF2-40B4-BE49-F238E27FC236}">
+                <a16:creationId xmlns:a16="http://schemas.microsoft.com/office/drawing/2014/main" id="{82E6F07A-379C-4A14-F7BA-5D5C15893F8C}"/>
+              </a:ext>
+            </a:extLst>
+          </p:cNvPr>
+          <p:cNvSpPr>
+            <a:spLocks noGrp="1"/>
+          </p:cNvSpPr>
+          <p:nvPr>
+            <p:ph type="title"/>
+          </p:nvPr>
+        </p:nvSpPr>
+        <p:spPr/>
+        <p:txBody>
+          <a:bodyPr/>
+          <a:lstStyle/>
+          <a:p>
+            <a:r>
+              <a:rPr lang="en-US" dirty="0"/>
+              <a:t>XG BOOST</a:t>
+            </a:r>
+          </a:p>
+        </p:txBody>
+      </p:sp>
+      <p:sp>
+        <p:nvSpPr>
+          <p:cNvPr id="3" name="Content Placeholder 2">
+            <a:extLst>
+              <a:ext uri="{FF2B5EF4-FFF2-40B4-BE49-F238E27FC236}">
+                <a16:creationId xmlns:a16="http://schemas.microsoft.com/office/drawing/2014/main" id="{9BC1EBC7-D808-5DBF-6B94-B5D0E838FA3B}"/>
+              </a:ext>
+            </a:extLst>
+          </p:cNvPr>
+          <p:cNvSpPr>
+            <a:spLocks noGrp="1"/>
+          </p:cNvSpPr>
+          <p:nvPr>
+            <p:ph idx="1"/>
+          </p:nvPr>
+        </p:nvSpPr>
+        <p:spPr/>
+        <p:txBody>
+          <a:bodyPr/>
+          <a:lstStyle/>
+          <a:p>
+            <a:r>
+              <a:rPr lang="en-US" b="0" i="0" dirty="0" err="1">
                 <a:solidFill>
                   <a:srgbClr val="242424"/>
                 </a:solidFill>
@@ -5034,22 +5788,10 @@
                 </a:highlight>
                 <a:latin typeface="source-serif-pro"/>
               </a:rPr>
-              <a:t>Looking at</a:t>
-            </a:r>
-            <a:r>
-              <a:rPr lang="en-US" i="1" dirty="0">
-                <a:solidFill>
-                  <a:srgbClr val="242424"/>
-                </a:solidFill>
-                <a:highlight>
-                  <a:srgbClr val="FFFFFF"/>
-                </a:highlight>
-                <a:latin typeface="source-serif-pro"/>
-              </a:rPr>
-              <a:t> </a:t>
-            </a:r>
-            <a:r>
-              <a:rPr lang="en-US" b="0" i="1" dirty="0">
+              <a:t>XGBoost</a:t>
+            </a:r>
+            <a:r>
+              <a:rPr lang="en-US" b="0" i="0" dirty="0">
                 <a:solidFill>
                   <a:srgbClr val="242424"/>
                 </a:solidFill>
@@ -5059,22 +5801,10 @@
                 </a:highlight>
                 <a:latin typeface="source-serif-pro"/>
               </a:rPr>
-              <a:t>CART and Gradient Boosting</a:t>
-            </a:r>
-            <a:r>
-              <a:rPr lang="en-US" i="1" dirty="0">
-                <a:solidFill>
-                  <a:srgbClr val="242424"/>
-                </a:solidFill>
-                <a:highlight>
-                  <a:srgbClr val="FFFFFF"/>
-                </a:highlight>
-                <a:latin typeface="source-serif-pro"/>
-              </a:rPr>
-              <a:t> </a:t>
-            </a:r>
-            <a:r>
-              <a:rPr lang="en-US" b="0" i="1" dirty="0">
+              <a:t>, short for </a:t>
+            </a:r>
+            <a:r>
+              <a:rPr lang="en-US" b="0" i="0" dirty="0" err="1">
                 <a:solidFill>
                   <a:srgbClr val="242424"/>
                 </a:solidFill>
@@ -5084,41 +5814,66 @@
                 </a:highlight>
                 <a:latin typeface="source-serif-pro"/>
               </a:rPr>
-              <a:t>to understand the mechanics of boosting algorithm</a:t>
-            </a:r>
-          </a:p>
-          <a:p>
-            <a:endParaRPr lang="en-US" i="1" dirty="0">
-              <a:solidFill>
-                <a:srgbClr val="242424"/>
-              </a:solidFill>
-              <a:highlight>
-                <a:srgbClr val="FFFFFF"/>
-              </a:highlight>
-              <a:latin typeface="source-serif-pro"/>
-            </a:endParaRPr>
-          </a:p>
-          <a:p>
-            <a:r>
-              <a:rPr lang="en-US" i="1" dirty="0">
+              <a:t>eXtreme</a:t>
+            </a:r>
+            <a:r>
+              <a:rPr lang="en-US" b="0" i="0" dirty="0">
                 <a:solidFill>
                   <a:srgbClr val="242424"/>
                 </a:solidFill>
+                <a:effectLst/>
                 <a:highlight>
                   <a:srgbClr val="FFFFFF"/>
                 </a:highlight>
                 <a:latin typeface="source-serif-pro"/>
               </a:rPr>
-              <a:t>Source - https://medium.com/sfu-cspmp/xgboost-a-deep-dive-into-boosting-f06c9c41349</a:t>
-            </a:r>
-            <a:endParaRPr lang="en-US" dirty="0"/>
+              <a:t> Gradient Boosting, is an optimized and highly efficient implementation of gradient boosting.</a:t>
+            </a:r>
+          </a:p>
+          <a:p>
+            <a:r>
+              <a:rPr lang="en-US" b="0" i="0" dirty="0" err="1">
+                <a:solidFill>
+                  <a:srgbClr val="242424"/>
+                </a:solidFill>
+                <a:effectLst/>
+                <a:highlight>
+                  <a:srgbClr val="FFFFFF"/>
+                </a:highlight>
+                <a:latin typeface="source-serif-pro"/>
+              </a:rPr>
+              <a:t>XGBoost</a:t>
+            </a:r>
+            <a:r>
+              <a:rPr lang="en-US" b="0" i="0" dirty="0">
+                <a:solidFill>
+                  <a:srgbClr val="242424"/>
+                </a:solidFill>
+                <a:effectLst/>
+                <a:highlight>
+                  <a:srgbClr val="FFFFFF"/>
+                </a:highlight>
+                <a:latin typeface="source-serif-pro"/>
+              </a:rPr>
+              <a:t> is focused on computational speed and model performance</a:t>
+            </a:r>
+          </a:p>
+          <a:p>
+            <a:r>
+              <a:rPr lang="en-US" b="1" dirty="0"/>
+              <a:t>Key Features</a:t>
+            </a:r>
+            <a:r>
+              <a:rPr lang="en-US" dirty="0"/>
+              <a:t>: Tree pruning, parallel processing, and regularization</a:t>
+            </a:r>
           </a:p>
         </p:txBody>
       </p:sp>
     </p:spTree>
     <p:extLst>
       <p:ext uri="{BB962C8B-B14F-4D97-AF65-F5344CB8AC3E}">
-        <p14:creationId xmlns:p14="http://schemas.microsoft.com/office/powerpoint/2010/main" val="4141665292"/>
+        <p14:creationId xmlns:p14="http://schemas.microsoft.com/office/powerpoint/2010/main" val="3046523520"/>
       </p:ext>
     </p:extLst>
   </p:cSld>
@@ -5145,47 +5900,12 @@
           <a:chExt cx="0" cy="0"/>
         </a:xfrm>
       </p:grpSpPr>
-      <p:sp>
-        <p:nvSpPr>
-          <p:cNvPr id="2" name="Title 1">
-            <a:extLst>
-              <a:ext uri="{FF2B5EF4-FFF2-40B4-BE49-F238E27FC236}">
-                <a16:creationId xmlns:a16="http://schemas.microsoft.com/office/drawing/2014/main" id="{CC907489-9A53-6642-BA51-1B633ED01CA1}"/>
-              </a:ext>
-            </a:extLst>
-          </p:cNvPr>
-          <p:cNvSpPr>
-            <a:spLocks noGrp="1"/>
-          </p:cNvSpPr>
-          <p:nvPr>
-            <p:ph type="title"/>
-          </p:nvPr>
-        </p:nvSpPr>
-        <p:spPr>
-          <a:xfrm>
-            <a:off x="492760" y="0"/>
-            <a:ext cx="10652760" cy="648117"/>
-          </a:xfrm>
-        </p:spPr>
-        <p:txBody>
-          <a:bodyPr>
-            <a:normAutofit/>
-          </a:bodyPr>
-          <a:lstStyle/>
-          <a:p>
-            <a:r>
-              <a:rPr lang="en-US" sz="2000" dirty="0"/>
-              <a:t>XG boost illustration</a:t>
-            </a:r>
-          </a:p>
-        </p:txBody>
-      </p:sp>
       <p:pic>
         <p:nvPicPr>
-          <p:cNvPr id="4098" name="Picture 2" descr="Schematic illustration of the XGboost model.">
-            <a:extLst>
-              <a:ext uri="{FF2B5EF4-FFF2-40B4-BE49-F238E27FC236}">
-                <a16:creationId xmlns:a16="http://schemas.microsoft.com/office/drawing/2014/main" id="{23570BB1-5849-6E9E-E8C8-E27F4E5823AC}"/>
+          <p:cNvPr id="3074" name="Picture 2">
+            <a:extLst>
+              <a:ext uri="{FF2B5EF4-FFF2-40B4-BE49-F238E27FC236}">
+                <a16:creationId xmlns:a16="http://schemas.microsoft.com/office/drawing/2014/main" id="{569354A7-A896-B538-F9DA-18EDB936BB7E}"/>
               </a:ext>
             </a:extLst>
           </p:cNvPr>
@@ -5209,8 +5929,8 @@
         </p:blipFill>
         <p:spPr bwMode="auto">
           <a:xfrm>
-            <a:off x="3555206" y="1044357"/>
-            <a:ext cx="4390707" cy="4938260"/>
+            <a:off x="2061209" y="668654"/>
+            <a:ext cx="7368095" cy="4147185"/>
           </a:xfrm>
           <a:prstGeom prst="rect">
             <a:avLst/>
@@ -5232,7 +5952,7 @@
           <p:cNvPr id="5" name="TextBox 4">
             <a:extLst>
               <a:ext uri="{FF2B5EF4-FFF2-40B4-BE49-F238E27FC236}">
-                <a16:creationId xmlns:a16="http://schemas.microsoft.com/office/drawing/2014/main" id="{470CD21E-1495-7C8D-1970-86775C221720}"/>
+                <a16:creationId xmlns:a16="http://schemas.microsoft.com/office/drawing/2014/main" id="{53654B98-59F2-EEF1-0FE2-FD8303ED4986}"/>
               </a:ext>
             </a:extLst>
           </p:cNvPr>
@@ -5241,8 +5961,8 @@
         </p:nvSpPr>
         <p:spPr>
           <a:xfrm>
-            <a:off x="574039" y="6378857"/>
-            <a:ext cx="10353040" cy="369332"/>
+            <a:off x="2834640" y="5060295"/>
+            <a:ext cx="6096000" cy="1477328"/>
           </a:xfrm>
           <a:prstGeom prst="rect">
             <a:avLst/>
@@ -5256,16 +5976,101 @@
           <a:lstStyle/>
           <a:p>
             <a:r>
-              <a:rPr lang="en-US" dirty="0"/>
-              <a:t>Source: https://www.researchgate.net/figure/Schematic-illustration-of-the-XGboost-model_fig2_362100649</a:t>
-            </a:r>
+              <a:rPr lang="en-US" b="0" i="1" dirty="0">
+                <a:solidFill>
+                  <a:srgbClr val="242424"/>
+                </a:solidFill>
+                <a:effectLst/>
+                <a:highlight>
+                  <a:srgbClr val="FFFFFF"/>
+                </a:highlight>
+                <a:latin typeface="source-serif-pro"/>
+              </a:rPr>
+              <a:t>Looking at</a:t>
+            </a:r>
+            <a:r>
+              <a:rPr lang="en-US" i="1" dirty="0">
+                <a:solidFill>
+                  <a:srgbClr val="242424"/>
+                </a:solidFill>
+                <a:highlight>
+                  <a:srgbClr val="FFFFFF"/>
+                </a:highlight>
+                <a:latin typeface="source-serif-pro"/>
+              </a:rPr>
+              <a:t> </a:t>
+            </a:r>
+            <a:r>
+              <a:rPr lang="en-US" b="0" i="1" dirty="0">
+                <a:solidFill>
+                  <a:srgbClr val="242424"/>
+                </a:solidFill>
+                <a:effectLst/>
+                <a:highlight>
+                  <a:srgbClr val="FFFFFF"/>
+                </a:highlight>
+                <a:latin typeface="source-serif-pro"/>
+              </a:rPr>
+              <a:t>CART and Gradient Boosting</a:t>
+            </a:r>
+            <a:r>
+              <a:rPr lang="en-US" i="1" dirty="0">
+                <a:solidFill>
+                  <a:srgbClr val="242424"/>
+                </a:solidFill>
+                <a:highlight>
+                  <a:srgbClr val="FFFFFF"/>
+                </a:highlight>
+                <a:latin typeface="source-serif-pro"/>
+              </a:rPr>
+              <a:t> </a:t>
+            </a:r>
+            <a:r>
+              <a:rPr lang="en-US" b="0" i="1" dirty="0">
+                <a:solidFill>
+                  <a:srgbClr val="242424"/>
+                </a:solidFill>
+                <a:effectLst/>
+                <a:highlight>
+                  <a:srgbClr val="FFFFFF"/>
+                </a:highlight>
+                <a:latin typeface="source-serif-pro"/>
+              </a:rPr>
+              <a:t>to understand the mechanics of boosting algorithm</a:t>
+            </a:r>
+          </a:p>
+          <a:p>
+            <a:endParaRPr lang="en-US" i="1" dirty="0">
+              <a:solidFill>
+                <a:srgbClr val="242424"/>
+              </a:solidFill>
+              <a:highlight>
+                <a:srgbClr val="FFFFFF"/>
+              </a:highlight>
+              <a:latin typeface="source-serif-pro"/>
+            </a:endParaRPr>
+          </a:p>
+          <a:p>
+            <a:r>
+              <a:rPr lang="en-US" i="1" dirty="0">
+                <a:solidFill>
+                  <a:srgbClr val="242424"/>
+                </a:solidFill>
+                <a:highlight>
+                  <a:srgbClr val="FFFFFF"/>
+                </a:highlight>
+                <a:latin typeface="source-serif-pro"/>
+              </a:rPr>
+              <a:t>Source - https://medium.com/sfu-cspmp/xgboost-a-deep-dive-into-boosting-f06c9c41349</a:t>
+            </a:r>
+            <a:endParaRPr lang="en-US" dirty="0"/>
           </a:p>
         </p:txBody>
       </p:sp>
     </p:spTree>
     <p:extLst>
       <p:ext uri="{BB962C8B-B14F-4D97-AF65-F5344CB8AC3E}">
-        <p14:creationId xmlns:p14="http://schemas.microsoft.com/office/powerpoint/2010/main" val="2552598396"/>
+        <p14:creationId xmlns:p14="http://schemas.microsoft.com/office/powerpoint/2010/main" val="4141665292"/>
       </p:ext>
     </p:extLst>
   </p:cSld>
@@ -5297,7 +6102,7 @@
           <p:cNvPr id="2" name="Title 1">
             <a:extLst>
               <a:ext uri="{FF2B5EF4-FFF2-40B4-BE49-F238E27FC236}">
-                <a16:creationId xmlns:a16="http://schemas.microsoft.com/office/drawing/2014/main" id="{ED4C0C25-CE8E-B6AE-69EE-E08811E33FBE}"/>
+                <a16:creationId xmlns:a16="http://schemas.microsoft.com/office/drawing/2014/main" id="{CC907489-9A53-6642-BA51-1B633ED01CA1}"/>
               </a:ext>
             </a:extLst>
           </p:cNvPr>
@@ -5308,163 +6113,103 @@
             <p:ph type="title"/>
           </p:nvPr>
         </p:nvSpPr>
-        <p:spPr/>
-        <p:txBody>
-          <a:bodyPr/>
-          <a:lstStyle/>
-          <a:p>
-            <a:r>
-              <a:rPr lang="en-US" dirty="0"/>
-              <a:t>LG BOOST</a:t>
-            </a:r>
-          </a:p>
-        </p:txBody>
-      </p:sp>
-      <p:sp>
-        <p:nvSpPr>
-          <p:cNvPr id="8" name="Rectangle 4">
-            <a:extLst>
-              <a:ext uri="{FF2B5EF4-FFF2-40B4-BE49-F238E27FC236}">
-                <a16:creationId xmlns:a16="http://schemas.microsoft.com/office/drawing/2014/main" id="{F65D07CA-F7CA-DA63-C1B2-2FCF10F60210}"/>
-              </a:ext>
-            </a:extLst>
-          </p:cNvPr>
-          <p:cNvSpPr>
-            <a:spLocks noGrp="1" noChangeArrowheads="1"/>
-          </p:cNvSpPr>
-          <p:nvPr>
-            <p:ph idx="1"/>
-          </p:nvPr>
-        </p:nvSpPr>
+        <p:spPr>
+          <a:xfrm>
+            <a:off x="492760" y="0"/>
+            <a:ext cx="10652760" cy="648117"/>
+          </a:xfrm>
+        </p:spPr>
+        <p:txBody>
+          <a:bodyPr>
+            <a:normAutofit/>
+          </a:bodyPr>
+          <a:lstStyle/>
+          <a:p>
+            <a:r>
+              <a:rPr lang="en-US" sz="2000" dirty="0"/>
+              <a:t>XG boost illustration</a:t>
+            </a:r>
+          </a:p>
+        </p:txBody>
+      </p:sp>
+      <p:pic>
+        <p:nvPicPr>
+          <p:cNvPr id="4098" name="Picture 2" descr="Schematic illustration of the XGboost model.">
+            <a:extLst>
+              <a:ext uri="{FF2B5EF4-FFF2-40B4-BE49-F238E27FC236}">
+                <a16:creationId xmlns:a16="http://schemas.microsoft.com/office/drawing/2014/main" id="{23570BB1-5849-6E9E-E8C8-E27F4E5823AC}"/>
+              </a:ext>
+            </a:extLst>
+          </p:cNvPr>
+          <p:cNvPicPr>
+            <a:picLocks noChangeAspect="1" noChangeArrowheads="1"/>
+          </p:cNvPicPr>
+          <p:nvPr/>
+        </p:nvPicPr>
+        <p:blipFill>
+          <a:blip r:embed="rId2">
+            <a:extLst>
+              <a:ext uri="{28A0092B-C50C-407E-A947-70E740481C1C}">
+                <a14:useLocalDpi xmlns:a14="http://schemas.microsoft.com/office/drawing/2010/main" val="0"/>
+              </a:ext>
+            </a:extLst>
+          </a:blip>
+          <a:srcRect/>
+          <a:stretch>
+            <a:fillRect/>
+          </a:stretch>
+        </p:blipFill>
         <p:spPr bwMode="auto">
           <a:xfrm>
-            <a:off x="1000760" y="1589110"/>
-            <a:ext cx="10864769" cy="1512209"/>
+            <a:off x="3555206" y="1044357"/>
+            <a:ext cx="4390707" cy="4938260"/>
           </a:xfrm>
           <a:prstGeom prst="rect">
             <a:avLst/>
           </a:prstGeom>
           <a:noFill/>
-          <a:ln>
-            <a:noFill/>
-          </a:ln>
-          <a:effectLst/>
           <a:extLst>
             <a:ext uri="{909E8E84-426E-40DD-AFC4-6F175D3DCCD1}">
               <a14:hiddenFill xmlns:a14="http://schemas.microsoft.com/office/drawing/2010/main">
                 <a:solidFill>
-                  <a:schemeClr val="accent1"/>
+                  <a:srgbClr val="FFFFFF"/>
                 </a:solidFill>
               </a14:hiddenFill>
-            </a:ext>
-            <a:ext uri="{91240B29-F687-4F45-9708-019B960494DF}">
-              <a14:hiddenLine xmlns:a14="http://schemas.microsoft.com/office/drawing/2010/main" w="9525">
-                <a:solidFill>
-                  <a:schemeClr val="tx1"/>
-                </a:solidFill>
-                <a:miter lim="800000"/>
-                <a:headEnd/>
-                <a:tailEnd/>
-              </a14:hiddenLine>
-            </a:ext>
-            <a:ext uri="{AF507438-7753-43E0-B8FC-AC1667EBCBE1}">
-              <a14:hiddenEffects xmlns:a14="http://schemas.microsoft.com/office/drawing/2010/main">
-                <a:effectLst>
-                  <a:outerShdw dist="35921" dir="2700000" algn="ctr" rotWithShape="0">
-                    <a:schemeClr val="bg2"/>
-                  </a:outerShdw>
-                </a:effectLst>
-              </a14:hiddenEffects>
             </a:ext>
           </a:extLst>
         </p:spPr>
-        <p:txBody>
-          <a:bodyPr vert="horz" wrap="none" lIns="91440" tIns="45720" rIns="91440" bIns="45720" numCol="1" anchor="ctr" anchorCtr="0" compatLnSpc="1">
-            <a:prstTxWarp prst="textNoShape">
-              <a:avLst/>
-            </a:prstTxWarp>
+      </p:pic>
+      <p:sp>
+        <p:nvSpPr>
+          <p:cNvPr id="5" name="TextBox 4">
+            <a:extLst>
+              <a:ext uri="{FF2B5EF4-FFF2-40B4-BE49-F238E27FC236}">
+                <a16:creationId xmlns:a16="http://schemas.microsoft.com/office/drawing/2014/main" id="{470CD21E-1495-7C8D-1970-86775C221720}"/>
+              </a:ext>
+            </a:extLst>
+          </p:cNvPr>
+          <p:cNvSpPr txBox="1"/>
+          <p:nvPr/>
+        </p:nvSpPr>
+        <p:spPr>
+          <a:xfrm>
+            <a:off x="574039" y="6378857"/>
+            <a:ext cx="10353040" cy="369332"/>
+          </a:xfrm>
+          <a:prstGeom prst="rect">
+            <a:avLst/>
+          </a:prstGeom>
+          <a:noFill/>
+        </p:spPr>
+        <p:txBody>
+          <a:bodyPr wrap="square">
             <a:spAutoFit/>
           </a:bodyPr>
           <a:lstStyle/>
           <a:p>
-            <a:pPr fontAlgn="base">
-              <a:spcAft>
-                <a:spcPct val="0"/>
-              </a:spcAft>
-            </a:pPr>
-            <a:r>
-              <a:rPr lang="en-US" altLang="en-US" dirty="0">
-                <a:solidFill>
-                  <a:srgbClr val="242424"/>
-                </a:solidFill>
-                <a:highlight>
-                  <a:srgbClr val="FFFFFF"/>
-                </a:highlight>
-                <a:latin typeface="source-serif-pro"/>
-              </a:rPr>
-              <a:t>Light Gradient Boosting Machine (</a:t>
-            </a:r>
-            <a:r>
-              <a:rPr lang="en-US" altLang="en-US" dirty="0" err="1">
-                <a:solidFill>
-                  <a:srgbClr val="242424"/>
-                </a:solidFill>
-                <a:highlight>
-                  <a:srgbClr val="FFFFFF"/>
-                </a:highlight>
-                <a:latin typeface="source-serif-pro"/>
-              </a:rPr>
-              <a:t>LightGBM</a:t>
-            </a:r>
-            <a:r>
-              <a:rPr lang="en-US" altLang="en-US" dirty="0">
-                <a:solidFill>
-                  <a:srgbClr val="242424"/>
-                </a:solidFill>
-                <a:highlight>
-                  <a:srgbClr val="FFFFFF"/>
-                </a:highlight>
-                <a:latin typeface="source-serif-pro"/>
-              </a:rPr>
-              <a:t>)</a:t>
-            </a:r>
-          </a:p>
-          <a:p>
-            <a:pPr fontAlgn="base">
-              <a:spcAft>
-                <a:spcPct val="0"/>
-              </a:spcAft>
-            </a:pPr>
-            <a:r>
-              <a:rPr lang="en-US" altLang="en-US" dirty="0">
-                <a:solidFill>
-                  <a:srgbClr val="242424"/>
-                </a:solidFill>
-                <a:highlight>
-                  <a:srgbClr val="FFFFFF"/>
-                </a:highlight>
-                <a:latin typeface="source-serif-pro"/>
-              </a:rPr>
-              <a:t>Advantages: Faster training speed, lower memory usage</a:t>
-            </a:r>
-          </a:p>
-          <a:p>
-            <a:pPr fontAlgn="base">
-              <a:spcAft>
-                <a:spcPct val="0"/>
-              </a:spcAft>
-            </a:pPr>
-            <a:r>
-              <a:rPr lang="en-US" altLang="en-US" dirty="0">
-                <a:solidFill>
-                  <a:srgbClr val="242424"/>
-                </a:solidFill>
-                <a:highlight>
-                  <a:srgbClr val="FFFFFF"/>
-                </a:highlight>
-                <a:latin typeface="source-serif-pro"/>
-              </a:rPr>
-              <a:t>Key Features: Leaf-wise growth, histogram-based decision tree learning </a:t>
+            <a:r>
+              <a:rPr lang="en-US" dirty="0"/>
+              <a:t>Source: https://www.researchgate.net/figure/Schematic-illustration-of-the-XGboost-model_fig2_362100649</a:t>
             </a:r>
           </a:p>
         </p:txBody>
@@ -5472,7 +6217,7 @@
     </p:spTree>
     <p:extLst>
       <p:ext uri="{BB962C8B-B14F-4D97-AF65-F5344CB8AC3E}">
-        <p14:creationId xmlns:p14="http://schemas.microsoft.com/office/powerpoint/2010/main" val="3708760135"/>
+        <p14:creationId xmlns:p14="http://schemas.microsoft.com/office/powerpoint/2010/main" val="2552598396"/>
       </p:ext>
     </p:extLst>
   </p:cSld>
